--- a/final edit.pptx
+++ b/final edit.pptx
@@ -23875,7 +23875,7 @@
           <a:bodyPr/>
           <a:lstStyle/>
           <a:p>
-            <a:endParaRPr lang="en-US"/>
+            <a:endParaRPr lang="en-US" sz="2400"/>
           </a:p>
         </p:txBody>
       </p:sp>
@@ -23902,7 +23902,7 @@
           <a:bodyPr/>
           <a:lstStyle/>
           <a:p>
-            <a:endParaRPr lang="en-US"/>
+            <a:endParaRPr lang="en-US" sz="2400"/>
           </a:p>
         </p:txBody>
       </p:sp>
@@ -23914,8 +23914,8 @@
         </p:nvSpPr>
         <p:spPr>
           <a:xfrm>
-            <a:off x="707231" y="4193382"/>
-            <a:ext cx="1705570" cy="300038"/>
+            <a:off x="1454218" y="4204901"/>
+            <a:ext cx="211597" cy="276999"/>
           </a:xfrm>
           <a:prstGeom prst="rect">
             <a:avLst/>
@@ -23933,7 +23933,7 @@
               <a:buNone/>
             </a:pPr>
             <a:r>
-              <a:rPr lang="en-US" sz="1575" dirty="0">
+              <a:rPr lang="en-US" dirty="0">
                 <a:solidFill>
                   <a:srgbClr val="000000"/>
                 </a:solidFill>
@@ -23943,7 +23943,7 @@
               </a:rPr>
               <a:t>📱</a:t>
             </a:r>
-            <a:endParaRPr lang="en-US" sz="1575" dirty="0"/>
+            <a:endParaRPr lang="en-US" dirty="0"/>
           </a:p>
         </p:txBody>
       </p:sp>
@@ -23955,8 +23955,8 @@
         </p:nvSpPr>
         <p:spPr>
           <a:xfrm>
-            <a:off x="707231" y="4550569"/>
-            <a:ext cx="1705570" cy="150019"/>
+            <a:off x="805002" y="4556329"/>
+            <a:ext cx="1510029" cy="138499"/>
           </a:xfrm>
           <a:prstGeom prst="rect">
             <a:avLst/>
@@ -23974,7 +23974,7 @@
               <a:buNone/>
             </a:pPr>
             <a:r>
-              <a:rPr lang="en-US" sz="732" b="1" dirty="0">
+              <a:rPr lang="en-US" sz="900" b="1" dirty="0">
                 <a:solidFill>
                   <a:srgbClr val="1A3A52"/>
                 </a:solidFill>
@@ -23984,7 +23984,7 @@
               </a:rPr>
               <a:t>Flutter Mobile Application</a:t>
             </a:r>
-            <a:endParaRPr lang="en-US" sz="732" dirty="0"/>
+            <a:endParaRPr lang="en-US" sz="900" dirty="0"/>
           </a:p>
         </p:txBody>
       </p:sp>
@@ -23996,8 +23996,8 @@
         </p:nvSpPr>
         <p:spPr>
           <a:xfrm>
-            <a:off x="707231" y="4743450"/>
-            <a:ext cx="1705570" cy="128588"/>
+            <a:off x="902784" y="4746189"/>
+            <a:ext cx="1314463" cy="123111"/>
           </a:xfrm>
           <a:prstGeom prst="rect">
             <a:avLst/>
@@ -24015,7 +24015,7 @@
               <a:buNone/>
             </a:pPr>
             <a:r>
-              <a:rPr lang="en-US" sz="628" b="1" dirty="0">
+              <a:rPr lang="en-US" sz="800" b="1" dirty="0">
                 <a:solidFill>
                   <a:srgbClr val="F39C12"/>
                 </a:solidFill>
@@ -24025,7 +24025,7 @@
               </a:rPr>
               <a:t>Frontend / User Interface</a:t>
             </a:r>
-            <a:endParaRPr lang="en-US" sz="628" dirty="0"/>
+            <a:endParaRPr lang="en-US" sz="800" dirty="0"/>
           </a:p>
         </p:txBody>
       </p:sp>
@@ -24052,7 +24052,7 @@
           <a:bodyPr/>
           <a:lstStyle/>
           <a:p>
-            <a:endParaRPr lang="en-US"/>
+            <a:endParaRPr lang="en-US" sz="2400"/>
           </a:p>
         </p:txBody>
       </p:sp>
@@ -24079,7 +24079,7 @@
           <a:bodyPr/>
           <a:lstStyle/>
           <a:p>
-            <a:endParaRPr lang="en-US"/>
+            <a:endParaRPr lang="en-US" sz="2400"/>
           </a:p>
         </p:txBody>
       </p:sp>
@@ -24091,8 +24091,8 @@
         </p:nvSpPr>
         <p:spPr>
           <a:xfrm>
-            <a:off x="2734270" y="4193382"/>
-            <a:ext cx="1705570" cy="300038"/>
+            <a:off x="3428357" y="4204901"/>
+            <a:ext cx="317395" cy="276999"/>
           </a:xfrm>
           <a:prstGeom prst="rect">
             <a:avLst/>
@@ -24110,7 +24110,7 @@
               <a:buNone/>
             </a:pPr>
             <a:r>
-              <a:rPr lang="en-US" sz="1575" dirty="0">
+              <a:rPr lang="en-US" dirty="0">
                 <a:solidFill>
                   <a:srgbClr val="000000"/>
                 </a:solidFill>
@@ -24120,7 +24120,7 @@
               </a:rPr>
               <a:t>⚙️</a:t>
             </a:r>
-            <a:endParaRPr lang="en-US" sz="1575" dirty="0"/>
+            <a:endParaRPr lang="en-US" dirty="0"/>
           </a:p>
         </p:txBody>
       </p:sp>
@@ -24132,8 +24132,8 @@
         </p:nvSpPr>
         <p:spPr>
           <a:xfrm>
-            <a:off x="2734270" y="4550569"/>
-            <a:ext cx="1705570" cy="150019"/>
+            <a:off x="2877726" y="4556329"/>
+            <a:ext cx="1418658" cy="138499"/>
           </a:xfrm>
           <a:prstGeom prst="rect">
             <a:avLst/>
@@ -24151,7 +24151,7 @@
               <a:buNone/>
             </a:pPr>
             <a:r>
-              <a:rPr lang="en-US" sz="732" b="1" dirty="0">
+              <a:rPr lang="en-US" sz="900" b="1" dirty="0">
                 <a:solidFill>
                   <a:srgbClr val="1A3A52"/>
                 </a:solidFill>
@@ -24161,7 +24161,7 @@
               </a:rPr>
               <a:t>Flask Middleware Server</a:t>
             </a:r>
-            <a:endParaRPr lang="en-US" sz="732" dirty="0"/>
+            <a:endParaRPr lang="en-US" sz="900" dirty="0"/>
           </a:p>
         </p:txBody>
       </p:sp>
@@ -24173,8 +24173,8 @@
         </p:nvSpPr>
         <p:spPr>
           <a:xfrm>
-            <a:off x="2734270" y="4743450"/>
-            <a:ext cx="1705570" cy="128588"/>
+            <a:off x="2852078" y="4746189"/>
+            <a:ext cx="1469954" cy="123111"/>
           </a:xfrm>
           <a:prstGeom prst="rect">
             <a:avLst/>
@@ -24192,7 +24192,7 @@
               <a:buNone/>
             </a:pPr>
             <a:r>
-              <a:rPr lang="en-US" sz="628" b="1" dirty="0">
+              <a:rPr lang="en-US" sz="800" b="1" dirty="0">
                 <a:solidFill>
                   <a:srgbClr val="F39C12"/>
                 </a:solidFill>
@@ -24202,7 +24202,7 @@
               </a:rPr>
               <a:t>Backend API / Orchestration</a:t>
             </a:r>
-            <a:endParaRPr lang="en-US" sz="628" dirty="0"/>
+            <a:endParaRPr lang="en-US" sz="800" dirty="0"/>
           </a:p>
         </p:txBody>
       </p:sp>
@@ -24229,7 +24229,7 @@
           <a:bodyPr/>
           <a:lstStyle/>
           <a:p>
-            <a:endParaRPr lang="en-US"/>
+            <a:endParaRPr lang="en-US" sz="2400"/>
           </a:p>
         </p:txBody>
       </p:sp>
@@ -24256,7 +24256,7 @@
           <a:bodyPr/>
           <a:lstStyle/>
           <a:p>
-            <a:endParaRPr lang="en-US"/>
+            <a:endParaRPr lang="en-US" sz="2400"/>
           </a:p>
         </p:txBody>
       </p:sp>
@@ -24268,8 +24268,8 @@
         </p:nvSpPr>
         <p:spPr>
           <a:xfrm>
-            <a:off x="4761309" y="4193382"/>
-            <a:ext cx="1705570" cy="300038"/>
+            <a:off x="5455396" y="4204901"/>
+            <a:ext cx="317395" cy="276999"/>
           </a:xfrm>
           <a:prstGeom prst="rect">
             <a:avLst/>
@@ -24287,7 +24287,7 @@
               <a:buNone/>
             </a:pPr>
             <a:r>
-              <a:rPr lang="en-US" sz="1575" dirty="0">
+              <a:rPr lang="en-US" dirty="0">
                 <a:solidFill>
                   <a:srgbClr val="000000"/>
                 </a:solidFill>
@@ -24297,7 +24297,7 @@
               </a:rPr>
               <a:t>🤖</a:t>
             </a:r>
-            <a:endParaRPr lang="en-US" sz="1575" dirty="0"/>
+            <a:endParaRPr lang="en-US" dirty="0"/>
           </a:p>
         </p:txBody>
       </p:sp>
@@ -24309,8 +24309,8 @@
         </p:nvSpPr>
         <p:spPr>
           <a:xfrm>
-            <a:off x="4761309" y="4550569"/>
-            <a:ext cx="1705570" cy="150019"/>
+            <a:off x="4745266" y="4556329"/>
+            <a:ext cx="1737655" cy="138499"/>
           </a:xfrm>
           <a:prstGeom prst="rect">
             <a:avLst/>
@@ -24328,7 +24328,7 @@
               <a:buNone/>
             </a:pPr>
             <a:r>
-              <a:rPr lang="en-US" sz="732" b="1" dirty="0">
+              <a:rPr lang="en-US" sz="900" b="1" dirty="0">
                 <a:solidFill>
                   <a:srgbClr val="1A3A52"/>
                 </a:solidFill>
@@ -24338,7 +24338,7 @@
               </a:rPr>
               <a:t>Hugging Face Cloud Inference</a:t>
             </a:r>
-            <a:endParaRPr lang="en-US" sz="732" dirty="0"/>
+            <a:endParaRPr lang="en-US" sz="900" dirty="0"/>
           </a:p>
         </p:txBody>
       </p:sp>
@@ -24350,8 +24350,8 @@
         </p:nvSpPr>
         <p:spPr>
           <a:xfrm>
-            <a:off x="4761309" y="4743450"/>
-            <a:ext cx="1705570" cy="128588"/>
+            <a:off x="4896750" y="4746189"/>
+            <a:ext cx="1434688" cy="123111"/>
           </a:xfrm>
           <a:prstGeom prst="rect">
             <a:avLst/>
@@ -24369,7 +24369,7 @@
               <a:buNone/>
             </a:pPr>
             <a:r>
-              <a:rPr lang="en-US" sz="628" b="1" dirty="0">
+              <a:rPr lang="en-US" sz="800" b="1" dirty="0">
                 <a:solidFill>
                   <a:srgbClr val="F39C12"/>
                 </a:solidFill>
@@ -24379,7 +24379,7 @@
               </a:rPr>
               <a:t>AI Model / Inference Engine</a:t>
             </a:r>
-            <a:endParaRPr lang="en-US" sz="628" dirty="0"/>
+            <a:endParaRPr lang="en-US" sz="800" dirty="0"/>
           </a:p>
         </p:txBody>
       </p:sp>
@@ -24406,7 +24406,7 @@
           <a:bodyPr/>
           <a:lstStyle/>
           <a:p>
-            <a:endParaRPr lang="en-US"/>
+            <a:endParaRPr lang="en-US" sz="2400"/>
           </a:p>
         </p:txBody>
       </p:sp>
@@ -24433,7 +24433,7 @@
           <a:bodyPr/>
           <a:lstStyle/>
           <a:p>
-            <a:endParaRPr lang="en-US"/>
+            <a:endParaRPr lang="en-US" sz="2400"/>
           </a:p>
         </p:txBody>
       </p:sp>
@@ -24445,8 +24445,8 @@
         </p:nvSpPr>
         <p:spPr>
           <a:xfrm>
-            <a:off x="6788348" y="4193382"/>
-            <a:ext cx="1705570" cy="300038"/>
+            <a:off x="7490450" y="4204901"/>
+            <a:ext cx="301365" cy="276999"/>
           </a:xfrm>
           <a:prstGeom prst="rect">
             <a:avLst/>
@@ -24464,7 +24464,7 @@
               <a:buNone/>
             </a:pPr>
             <a:r>
-              <a:rPr lang="en-US" sz="1575" dirty="0">
+              <a:rPr lang="en-US" dirty="0">
                 <a:solidFill>
                   <a:srgbClr val="000000"/>
                 </a:solidFill>
@@ -24474,7 +24474,7 @@
               </a:rPr>
               <a:t>💾</a:t>
             </a:r>
-            <a:endParaRPr lang="en-US" sz="1575" dirty="0"/>
+            <a:endParaRPr lang="en-US" dirty="0"/>
           </a:p>
         </p:txBody>
       </p:sp>
@@ -24486,8 +24486,8 @@
         </p:nvSpPr>
         <p:spPr>
           <a:xfrm>
-            <a:off x="6788348" y="4550569"/>
-            <a:ext cx="1705570" cy="150019"/>
+            <a:off x="6850852" y="4556329"/>
+            <a:ext cx="1580561" cy="138499"/>
           </a:xfrm>
           <a:prstGeom prst="rect">
             <a:avLst/>
@@ -24505,7 +24505,7 @@
               <a:buNone/>
             </a:pPr>
             <a:r>
-              <a:rPr lang="en-US" sz="732" b="1" dirty="0">
+              <a:rPr lang="en-US" sz="900" b="1" dirty="0">
                 <a:solidFill>
                   <a:srgbClr val="1A3A52"/>
                 </a:solidFill>
@@ -24515,7 +24515,7 @@
               </a:rPr>
               <a:t>Supabase Backend Services</a:t>
             </a:r>
-            <a:endParaRPr lang="en-US" sz="732" dirty="0"/>
+            <a:endParaRPr lang="en-US" sz="900" dirty="0"/>
           </a:p>
         </p:txBody>
       </p:sp>
@@ -24527,8 +24527,8 @@
         </p:nvSpPr>
         <p:spPr>
           <a:xfrm>
-            <a:off x="6788348" y="4743450"/>
-            <a:ext cx="1705570" cy="128588"/>
+            <a:off x="6943025" y="4746189"/>
+            <a:ext cx="1396216" cy="123111"/>
           </a:xfrm>
           <a:prstGeom prst="rect">
             <a:avLst/>
@@ -24546,7 +24546,7 @@
               <a:buNone/>
             </a:pPr>
             <a:r>
-              <a:rPr lang="en-US" sz="628" b="1" dirty="0">
+              <a:rPr lang="en-US" sz="800" b="1" dirty="0">
                 <a:solidFill>
                   <a:srgbClr val="F39C12"/>
                 </a:solidFill>
@@ -24556,7 +24556,7 @@
               </a:rPr>
               <a:t>Database &amp; Authentication</a:t>
             </a:r>
-            <a:endParaRPr lang="en-US" sz="628" dirty="0"/>
+            <a:endParaRPr lang="en-US" sz="800" dirty="0"/>
           </a:p>
         </p:txBody>
       </p:sp>
@@ -24626,6 +24626,110 @@
           </a:prstGeom>
         </p:spPr>
       </p:pic>
+      <p:sp>
+        <p:nvSpPr>
+          <p:cNvPr id="5" name="Rectangle 4">
+            <a:extLst>
+              <a:ext uri="{FF2B5EF4-FFF2-40B4-BE49-F238E27FC236}">
+                <a16:creationId xmlns:a16="http://schemas.microsoft.com/office/drawing/2014/main" id="{B26008E6-82E5-42B0-582D-D822824A275F}"/>
+              </a:ext>
+            </a:extLst>
+          </p:cNvPr>
+          <p:cNvSpPr/>
+          <p:nvPr/>
+        </p:nvSpPr>
+        <p:spPr>
+          <a:xfrm>
+            <a:off x="4682728" y="2420471"/>
+            <a:ext cx="386813" cy="151279"/>
+          </a:xfrm>
+          <a:prstGeom prst="rect">
+            <a:avLst/>
+          </a:prstGeom>
+          <a:solidFill>
+            <a:srgbClr val="FCDAD8"/>
+          </a:solidFill>
+          <a:ln>
+            <a:noFill/>
+          </a:ln>
+        </p:spPr>
+        <p:style>
+          <a:lnRef idx="2">
+            <a:schemeClr val="accent1">
+              <a:shade val="15000"/>
+            </a:schemeClr>
+          </a:lnRef>
+          <a:fillRef idx="1">
+            <a:schemeClr val="accent1"/>
+          </a:fillRef>
+          <a:effectRef idx="0">
+            <a:schemeClr val="accent1"/>
+          </a:effectRef>
+          <a:fontRef idx="minor">
+            <a:schemeClr val="lt1"/>
+          </a:fontRef>
+        </p:style>
+        <p:txBody>
+          <a:bodyPr rtlCol="0" anchor="ctr"/>
+          <a:lstStyle/>
+          <a:p>
+            <a:pPr algn="ctr"/>
+            <a:endParaRPr lang="en-US"/>
+          </a:p>
+        </p:txBody>
+      </p:sp>
+      <p:sp>
+        <p:nvSpPr>
+          <p:cNvPr id="26" name="Rectangle 25">
+            <a:extLst>
+              <a:ext uri="{FF2B5EF4-FFF2-40B4-BE49-F238E27FC236}">
+                <a16:creationId xmlns:a16="http://schemas.microsoft.com/office/drawing/2014/main" id="{40590886-C92E-837A-9305-A51F58FA96D0}"/>
+              </a:ext>
+            </a:extLst>
+          </p:cNvPr>
+          <p:cNvSpPr/>
+          <p:nvPr/>
+        </p:nvSpPr>
+        <p:spPr>
+          <a:xfrm>
+            <a:off x="5069540" y="2421592"/>
+            <a:ext cx="215153" cy="151279"/>
+          </a:xfrm>
+          <a:prstGeom prst="rect">
+            <a:avLst/>
+          </a:prstGeom>
+          <a:solidFill>
+            <a:srgbClr val="FFFEFE"/>
+          </a:solidFill>
+          <a:ln>
+            <a:noFill/>
+          </a:ln>
+        </p:spPr>
+        <p:style>
+          <a:lnRef idx="2">
+            <a:schemeClr val="accent1">
+              <a:shade val="15000"/>
+            </a:schemeClr>
+          </a:lnRef>
+          <a:fillRef idx="1">
+            <a:schemeClr val="accent1"/>
+          </a:fillRef>
+          <a:effectRef idx="0">
+            <a:schemeClr val="accent1"/>
+          </a:effectRef>
+          <a:fontRef idx="minor">
+            <a:schemeClr val="lt1"/>
+          </a:fontRef>
+        </p:style>
+        <p:txBody>
+          <a:bodyPr rtlCol="0" anchor="ctr"/>
+          <a:lstStyle/>
+          <a:p>
+            <a:pPr algn="ctr"/>
+            <a:endParaRPr lang="en-US"/>
+          </a:p>
+        </p:txBody>
+      </p:sp>
     </p:spTree>
   </p:cSld>
   <p:clrMapOvr>
@@ -25594,6 +25698,36 @@
           <a:xfrm>
             <a:off x="2119193" y="2581325"/>
             <a:ext cx="381120" cy="381120"/>
+          </a:xfrm>
+          <a:prstGeom prst="rect">
+            <a:avLst/>
+          </a:prstGeom>
+        </p:spPr>
+      </p:pic>
+      <p:pic>
+        <p:nvPicPr>
+          <p:cNvPr id="28" name="Picture 27">
+            <a:extLst>
+              <a:ext uri="{FF2B5EF4-FFF2-40B4-BE49-F238E27FC236}">
+                <a16:creationId xmlns:a16="http://schemas.microsoft.com/office/drawing/2014/main" id="{86692B85-A490-E0ED-F021-EB1680B73AD5}"/>
+              </a:ext>
+            </a:extLst>
+          </p:cNvPr>
+          <p:cNvPicPr>
+            <a:picLocks noChangeAspect="1"/>
+          </p:cNvPicPr>
+          <p:nvPr/>
+        </p:nvPicPr>
+        <p:blipFill>
+          <a:blip r:embed="rId12"/>
+          <a:stretch>
+            <a:fillRect/>
+          </a:stretch>
+        </p:blipFill>
+        <p:spPr>
+          <a:xfrm>
+            <a:off x="8418175" y="0"/>
+            <a:ext cx="823895" cy="823895"/>
           </a:xfrm>
           <a:prstGeom prst="rect">
             <a:avLst/>
@@ -28261,36 +28395,6 @@
           </a:p>
         </p:txBody>
       </p:sp>
-      <p:pic>
-        <p:nvPicPr>
-          <p:cNvPr id="2" name="Picture 1">
-            <a:extLst>
-              <a:ext uri="{FF2B5EF4-FFF2-40B4-BE49-F238E27FC236}">
-                <a16:creationId xmlns:a16="http://schemas.microsoft.com/office/drawing/2014/main" id="{D4913C27-6DFC-7EA6-0499-8F3CB8B32375}"/>
-              </a:ext>
-            </a:extLst>
-          </p:cNvPr>
-          <p:cNvPicPr>
-            <a:picLocks noChangeAspect="1"/>
-          </p:cNvPicPr>
-          <p:nvPr/>
-        </p:nvPicPr>
-        <p:blipFill>
-          <a:blip r:embed="rId7"/>
-          <a:stretch>
-            <a:fillRect/>
-          </a:stretch>
-        </p:blipFill>
-        <p:spPr>
-          <a:xfrm>
-            <a:off x="8220000" y="-46683"/>
-            <a:ext cx="1141859" cy="1141859"/>
-          </a:xfrm>
-          <a:prstGeom prst="rect">
-            <a:avLst/>
-          </a:prstGeom>
-        </p:spPr>
-      </p:pic>
     </p:spTree>
   </p:cSld>
   <p:clrMapOvr>
